--- a/presentationi_TechArt_python_pipe.pptx
+++ b/presentationi_TechArt_python_pipe.pptx
@@ -261,7 +261,7 @@
           <a:bodyPr lIns="0" rIns="0" tIns="0" bIns="0" anchor="b"/>
           <a:p>
             <a:pPr algn="r"/>
-            <a:fld id="{0F50F354-29A1-4800-82EF-F69609D86179}" type="slidenum">
+            <a:fld id="{C596EF99-5E55-41ED-934B-8E03EDCCBCB2}" type="slidenum">
               <a:rPr b="0" lang="en-US" sz="1400" spc="-1" strike="noStrike">
                 <a:solidFill>
                   <a:srgbClr val="000000"/>
@@ -375,7 +375,7 @@
                 <a:spcPct val="100000"/>
               </a:lnSpc>
             </a:pPr>
-            <a:fld id="{546EDC54-BD7C-4635-808E-8D8D99E8E8CF}" type="slidenum">
+            <a:fld id="{EE2D472A-0159-423A-A08C-DADAAB7E4DAA}" type="slidenum">
               <a:rPr b="0" lang="en-US" sz="1200" spc="-1" strike="noStrike">
                 <a:solidFill>
                   <a:srgbClr val="000000"/>
@@ -489,7 +489,7 @@
                 <a:spcPct val="100000"/>
               </a:lnSpc>
             </a:pPr>
-            <a:fld id="{E7DDE32B-2777-4881-AF4D-2C7E159C46A9}" type="slidenum">
+            <a:fld id="{435348BE-A2A9-4106-A573-DC9EDCA9B296}" type="slidenum">
               <a:rPr b="0" lang="en-US" sz="1200" spc="-1" strike="noStrike">
                 <a:solidFill>
                   <a:srgbClr val="000000"/>
@@ -603,7 +603,7 @@
                 <a:spcPct val="100000"/>
               </a:lnSpc>
             </a:pPr>
-            <a:fld id="{F5C8161B-566A-4B2F-82C0-69329A7CA903}" type="slidenum">
+            <a:fld id="{0DF08877-45B4-4FBE-A55B-9D9D36B28D7B}" type="slidenum">
               <a:rPr b="0" lang="en-US" sz="1200" spc="-1" strike="noStrike">
                 <a:solidFill>
                   <a:srgbClr val="000000"/>
@@ -717,7 +717,7 @@
                 <a:spcPct val="100000"/>
               </a:lnSpc>
             </a:pPr>
-            <a:fld id="{965B6667-A48E-4AAC-A923-6583C0E616DE}" type="slidenum">
+            <a:fld id="{7E31F65A-7B1E-4899-8083-E773B8598C77}" type="slidenum">
               <a:rPr b="0" lang="en-US" sz="1200" spc="-1" strike="noStrike">
                 <a:solidFill>
                   <a:srgbClr val="000000"/>
@@ -831,7 +831,7 @@
                 <a:spcPct val="100000"/>
               </a:lnSpc>
             </a:pPr>
-            <a:fld id="{DFB2E781-0DAB-4A6A-A508-26A809A41DFB}" type="slidenum">
+            <a:fld id="{3F4D71C6-9154-45A9-A416-D6D535BE8CA0}" type="slidenum">
               <a:rPr b="0" lang="en-US" sz="1200" spc="-1" strike="noStrike">
                 <a:solidFill>
                   <a:srgbClr val="000000"/>
@@ -945,7 +945,7 @@
                 <a:spcPct val="100000"/>
               </a:lnSpc>
             </a:pPr>
-            <a:fld id="{4EABBF5C-ADF6-4606-9020-93CD9AE52AAA}" type="slidenum">
+            <a:fld id="{6283F359-4A78-477F-8BEA-7C450889F6A0}" type="slidenum">
               <a:rPr b="0" lang="en-US" sz="1200" spc="-1" strike="noStrike">
                 <a:solidFill>
                   <a:srgbClr val="000000"/>
@@ -2506,7 +2506,21 @@
                 </a:uFill>
                 <a:latin typeface="Calibri"/>
               </a:rPr>
-              <a:t>Click to edit Master title style</a:t>
+              <a:t>Click to edit Master title </a:t>
+            </a:r>
+            <a:r>
+              <a:rPr b="0" lang="en-US" sz="4400" spc="-1" strike="noStrike">
+                <a:solidFill>
+                  <a:srgbClr val="000000"/>
+                </a:solidFill>
+                <a:uFill>
+                  <a:solidFill>
+                    <a:srgbClr val="ffffff"/>
+                  </a:solidFill>
+                </a:uFill>
+                <a:latin typeface="Calibri"/>
+              </a:rPr>
+              <a:t>style</a:t>
             </a:r>
             <a:endParaRPr b="0" lang="en-US" sz="1800" spc="-1" strike="noStrike">
               <a:solidFill>
@@ -2640,7 +2654,7 @@
                 <a:spcPct val="100000"/>
               </a:lnSpc>
             </a:pPr>
-            <a:fld id="{8DBFE962-98CB-4326-8DC4-1EAFB922AC2A}" type="slidenum">
+            <a:fld id="{8025200A-2DF2-4024-9853-573C9C441E6A}" type="slidenum">
               <a:rPr b="0" lang="en-US" sz="1200" spc="-1" strike="noStrike">
                 <a:solidFill>
                   <a:srgbClr val="8b8b8b"/>
@@ -3192,6 +3206,33 @@
       </p:pic>
     </p:spTree>
   </p:cSld>
+  <p:timing>
+    <p:tnLst>
+      <p:par>
+        <p:cTn id="1" dur="indefinite" restart="never" nodeType="tmRoot">
+          <p:childTnLst>
+            <p:seq>
+              <p:cTn id="2" nodeType="mainSeq"/>
+              <p:prevCondLst>
+                <p:cond delay="0" evt="onPrev">
+                  <p:tgtEl>
+                    <p:sldTgt/>
+                  </p:tgtEl>
+                </p:cond>
+              </p:prevCondLst>
+              <p:nextCondLst>
+                <p:cond delay="0" evt="onNext">
+                  <p:tgtEl>
+                    <p:sldTgt/>
+                  </p:tgtEl>
+                </p:cond>
+              </p:nextCondLst>
+            </p:seq>
+          </p:childTnLst>
+        </p:cTn>
+      </p:par>
+    </p:tnLst>
+  </p:timing>
 </p:sld>
 </file>
 
@@ -3790,7 +3831,35 @@
                 </a:uFill>
                 <a:latin typeface="Arial"/>
               </a:rPr>
-              <a:t>symbol &lt;#&gt; to the end of every string:</a:t>
+              <a:t>symbol </a:t>
+            </a:r>
+            <a:r>
+              <a:rPr b="0" lang="en-US" sz="1800" spc="-1" strike="noStrike">
+                <a:solidFill>
+                  <a:srgbClr val="000000"/>
+                </a:solidFill>
+                <a:uFill>
+                  <a:solidFill>
+                    <a:srgbClr val="ffffff"/>
+                  </a:solidFill>
+                </a:uFill>
+                <a:latin typeface="Arial"/>
+              </a:rPr>
+              <a:t>&lt;#&gt;</a:t>
+            </a:r>
+            <a:r>
+              <a:rPr b="0" lang="en-US" sz="1800" spc="-1" strike="noStrike">
+                <a:solidFill>
+                  <a:srgbClr val="000000"/>
+                </a:solidFill>
+                <a:uFill>
+                  <a:solidFill>
+                    <a:srgbClr val="ffffff"/>
+                  </a:solidFill>
+                </a:uFill>
+                <a:latin typeface="Arial"/>
+              </a:rPr>
+              <a:t> to the end of every string:</a:t>
             </a:r>
             <a:endParaRPr b="0" lang="en-US" sz="1800" spc="-1" strike="noStrike">
               <a:solidFill>
@@ -3881,6 +3950,33 @@
       </p:sp>
     </p:spTree>
   </p:cSld>
+  <p:timing>
+    <p:tnLst>
+      <p:par>
+        <p:cTn id="3" dur="indefinite" restart="never" nodeType="tmRoot">
+          <p:childTnLst>
+            <p:seq>
+              <p:cTn id="4" nodeType="mainSeq"/>
+              <p:prevCondLst>
+                <p:cond delay="0" evt="onPrev">
+                  <p:tgtEl>
+                    <p:sldTgt/>
+                  </p:tgtEl>
+                </p:cond>
+              </p:prevCondLst>
+              <p:nextCondLst>
+                <p:cond delay="0" evt="onNext">
+                  <p:tgtEl>
+                    <p:sldTgt/>
+                  </p:tgtEl>
+                </p:cond>
+              </p:nextCondLst>
+            </p:seq>
+          </p:childTnLst>
+        </p:cTn>
+      </p:par>
+    </p:tnLst>
+  </p:timing>
 </p:sld>
 </file>
 
@@ -4343,10 +4439,10 @@
                 </a:uFill>
                 <a:latin typeface="Arial"/>
               </a:rPr>
-              <a:t>Every pipe method interact with incoming values by &lt;</a:t>
-            </a:r>
-            <a:r>
-              <a:rPr b="1" lang="en-US" sz="1800" spc="-1" strike="noStrike">
+              <a:t>Every pipe method interact with incoming values by </a:t>
+            </a:r>
+            <a:r>
+              <a:rPr b="0" lang="en-US" sz="1800" spc="-1" strike="noStrike">
                 <a:solidFill>
                   <a:srgbClr val="000000"/>
                 </a:solidFill>
@@ -4357,7 +4453,7 @@
                 </a:uFill>
                 <a:latin typeface="Arial"/>
               </a:rPr>
-              <a:t>|</a:t>
+              <a:t>&lt;|&gt;</a:t>
             </a:r>
             <a:r>
               <a:rPr b="0" lang="en-US" sz="1800" spc="-1" strike="noStrike">
@@ -4371,7 +4467,7 @@
                 </a:uFill>
                 <a:latin typeface="Arial"/>
               </a:rPr>
-              <a:t>&gt; symbol. It’s also possible to </a:t>
+              <a:t> symbol. It’s also possible to </a:t>
             </a:r>
             <a:endParaRPr b="0" lang="en-US" sz="1800" spc="-1" strike="noStrike">
               <a:solidFill>
@@ -5303,6 +5399,33 @@
       </p:pic>
     </p:spTree>
   </p:cSld>
+  <p:timing>
+    <p:tnLst>
+      <p:par>
+        <p:cTn id="5" dur="indefinite" restart="never" nodeType="tmRoot">
+          <p:childTnLst>
+            <p:seq>
+              <p:cTn id="6" nodeType="mainSeq"/>
+              <p:prevCondLst>
+                <p:cond delay="0" evt="onPrev">
+                  <p:tgtEl>
+                    <p:sldTgt/>
+                  </p:tgtEl>
+                </p:cond>
+              </p:prevCondLst>
+              <p:nextCondLst>
+                <p:cond delay="0" evt="onNext">
+                  <p:tgtEl>
+                    <p:sldTgt/>
+                  </p:tgtEl>
+                </p:cond>
+              </p:nextCondLst>
+            </p:seq>
+          </p:childTnLst>
+        </p:cTn>
+      </p:par>
+    </p:tnLst>
+  </p:timing>
 </p:sld>
 </file>
 
@@ -6290,6 +6413,33 @@
       </p:pic>
     </p:spTree>
   </p:cSld>
+  <p:timing>
+    <p:tnLst>
+      <p:par>
+        <p:cTn id="7" dur="indefinite" restart="never" nodeType="tmRoot">
+          <p:childTnLst>
+            <p:seq>
+              <p:cTn id="8" nodeType="mainSeq"/>
+              <p:prevCondLst>
+                <p:cond delay="0" evt="onPrev">
+                  <p:tgtEl>
+                    <p:sldTgt/>
+                  </p:tgtEl>
+                </p:cond>
+              </p:prevCondLst>
+              <p:nextCondLst>
+                <p:cond delay="0" evt="onNext">
+                  <p:tgtEl>
+                    <p:sldTgt/>
+                  </p:tgtEl>
+                </p:cond>
+              </p:nextCondLst>
+            </p:seq>
+          </p:childTnLst>
+        </p:cTn>
+      </p:par>
+    </p:tnLst>
+  </p:timing>
 </p:sld>
 </file>
 
@@ -7454,6 +7604,33 @@
       </p:pic>
     </p:spTree>
   </p:cSld>
+  <p:timing>
+    <p:tnLst>
+      <p:par>
+        <p:cTn id="9" dur="indefinite" restart="never" nodeType="tmRoot">
+          <p:childTnLst>
+            <p:seq>
+              <p:cTn id="10" nodeType="mainSeq"/>
+              <p:prevCondLst>
+                <p:cond delay="0" evt="onPrev">
+                  <p:tgtEl>
+                    <p:sldTgt/>
+                  </p:tgtEl>
+                </p:cond>
+              </p:prevCondLst>
+              <p:nextCondLst>
+                <p:cond delay="0" evt="onNext">
+                  <p:tgtEl>
+                    <p:sldTgt/>
+                  </p:tgtEl>
+                </p:cond>
+              </p:nextCondLst>
+            </p:seq>
+          </p:childTnLst>
+        </p:cTn>
+      </p:par>
+    </p:tnLst>
+  </p:timing>
 </p:sld>
 </file>
 
@@ -7679,8 +7856,8 @@
         </p:nvSpPr>
         <p:spPr>
           <a:xfrm>
-            <a:off x="502920" y="1022760"/>
-            <a:ext cx="8317800" cy="2878200"/>
+            <a:off x="110160" y="1022760"/>
+            <a:ext cx="8887680" cy="2878200"/>
           </a:xfrm>
           <a:prstGeom prst="rect">
             <a:avLst/>
@@ -7716,7 +7893,497 @@
                 </a:uFill>
                 <a:latin typeface="Calibri"/>
               </a:rPr>
-              <a:t>Official Pipe repository:       </a:t>
+              <a:t>O</a:t>
+            </a:r>
+            <a:r>
+              <a:rPr b="0" i="1" lang="en-US" sz="3600" spc="-1" strike="noStrike">
+                <a:solidFill>
+                  <a:srgbClr val="000000"/>
+                </a:solidFill>
+                <a:uFill>
+                  <a:solidFill>
+                    <a:srgbClr val="ffffff"/>
+                  </a:solidFill>
+                </a:uFill>
+                <a:latin typeface="Calibri"/>
+              </a:rPr>
+              <a:t>f</a:t>
+            </a:r>
+            <a:r>
+              <a:rPr b="0" i="1" lang="en-US" sz="3600" spc="-1" strike="noStrike">
+                <a:solidFill>
+                  <a:srgbClr val="000000"/>
+                </a:solidFill>
+                <a:uFill>
+                  <a:solidFill>
+                    <a:srgbClr val="ffffff"/>
+                  </a:solidFill>
+                </a:uFill>
+                <a:latin typeface="Calibri"/>
+              </a:rPr>
+              <a:t>f</a:t>
+            </a:r>
+            <a:r>
+              <a:rPr b="0" i="1" lang="en-US" sz="3600" spc="-1" strike="noStrike">
+                <a:solidFill>
+                  <a:srgbClr val="000000"/>
+                </a:solidFill>
+                <a:uFill>
+                  <a:solidFill>
+                    <a:srgbClr val="ffffff"/>
+                  </a:solidFill>
+                </a:uFill>
+                <a:latin typeface="Calibri"/>
+              </a:rPr>
+              <a:t>i</a:t>
+            </a:r>
+            <a:r>
+              <a:rPr b="0" i="1" lang="en-US" sz="3600" spc="-1" strike="noStrike">
+                <a:solidFill>
+                  <a:srgbClr val="000000"/>
+                </a:solidFill>
+                <a:uFill>
+                  <a:solidFill>
+                    <a:srgbClr val="ffffff"/>
+                  </a:solidFill>
+                </a:uFill>
+                <a:latin typeface="Calibri"/>
+              </a:rPr>
+              <a:t>c</a:t>
+            </a:r>
+            <a:r>
+              <a:rPr b="0" i="1" lang="en-US" sz="3600" spc="-1" strike="noStrike">
+                <a:solidFill>
+                  <a:srgbClr val="000000"/>
+                </a:solidFill>
+                <a:uFill>
+                  <a:solidFill>
+                    <a:srgbClr val="ffffff"/>
+                  </a:solidFill>
+                </a:uFill>
+                <a:latin typeface="Calibri"/>
+              </a:rPr>
+              <a:t>i</a:t>
+            </a:r>
+            <a:r>
+              <a:rPr b="0" i="1" lang="en-US" sz="3600" spc="-1" strike="noStrike">
+                <a:solidFill>
+                  <a:srgbClr val="000000"/>
+                </a:solidFill>
+                <a:uFill>
+                  <a:solidFill>
+                    <a:srgbClr val="ffffff"/>
+                  </a:solidFill>
+                </a:uFill>
+                <a:latin typeface="Calibri"/>
+              </a:rPr>
+              <a:t>a</a:t>
+            </a:r>
+            <a:r>
+              <a:rPr b="0" i="1" lang="en-US" sz="3600" spc="-1" strike="noStrike">
+                <a:solidFill>
+                  <a:srgbClr val="000000"/>
+                </a:solidFill>
+                <a:uFill>
+                  <a:solidFill>
+                    <a:srgbClr val="ffffff"/>
+                  </a:solidFill>
+                </a:uFill>
+                <a:latin typeface="Calibri"/>
+              </a:rPr>
+              <a:t>l</a:t>
+            </a:r>
+            <a:r>
+              <a:rPr b="0" i="1" lang="en-US" sz="3600" spc="-1" strike="noStrike">
+                <a:solidFill>
+                  <a:srgbClr val="000000"/>
+                </a:solidFill>
+                <a:uFill>
+                  <a:solidFill>
+                    <a:srgbClr val="ffffff"/>
+                  </a:solidFill>
+                </a:uFill>
+                <a:latin typeface="Calibri"/>
+              </a:rPr>
+              <a:t> </a:t>
+            </a:r>
+            <a:r>
+              <a:rPr b="0" i="1" lang="en-US" sz="3600" spc="-1" strike="noStrike">
+                <a:solidFill>
+                  <a:srgbClr val="000000"/>
+                </a:solidFill>
+                <a:uFill>
+                  <a:solidFill>
+                    <a:srgbClr val="ffffff"/>
+                  </a:solidFill>
+                </a:uFill>
+                <a:latin typeface="Calibri"/>
+              </a:rPr>
+              <a:t>P</a:t>
+            </a:r>
+            <a:r>
+              <a:rPr b="0" i="1" lang="en-US" sz="3600" spc="-1" strike="noStrike">
+                <a:solidFill>
+                  <a:srgbClr val="000000"/>
+                </a:solidFill>
+                <a:uFill>
+                  <a:solidFill>
+                    <a:srgbClr val="ffffff"/>
+                  </a:solidFill>
+                </a:uFill>
+                <a:latin typeface="Calibri"/>
+              </a:rPr>
+              <a:t>i</a:t>
+            </a:r>
+            <a:r>
+              <a:rPr b="0" i="1" lang="en-US" sz="3600" spc="-1" strike="noStrike">
+                <a:solidFill>
+                  <a:srgbClr val="000000"/>
+                </a:solidFill>
+                <a:uFill>
+                  <a:solidFill>
+                    <a:srgbClr val="ffffff"/>
+                  </a:solidFill>
+                </a:uFill>
+                <a:latin typeface="Calibri"/>
+              </a:rPr>
+              <a:t>p</a:t>
+            </a:r>
+            <a:r>
+              <a:rPr b="0" i="1" lang="en-US" sz="3600" spc="-1" strike="noStrike">
+                <a:solidFill>
+                  <a:srgbClr val="000000"/>
+                </a:solidFill>
+                <a:uFill>
+                  <a:solidFill>
+                    <a:srgbClr val="ffffff"/>
+                  </a:solidFill>
+                </a:uFill>
+                <a:latin typeface="Calibri"/>
+              </a:rPr>
+              <a:t>e</a:t>
+            </a:r>
+            <a:r>
+              <a:rPr b="0" i="1" lang="en-US" sz="3600" spc="-1" strike="noStrike">
+                <a:solidFill>
+                  <a:srgbClr val="000000"/>
+                </a:solidFill>
+                <a:uFill>
+                  <a:solidFill>
+                    <a:srgbClr val="ffffff"/>
+                  </a:solidFill>
+                </a:uFill>
+                <a:latin typeface="Calibri"/>
+              </a:rPr>
+              <a:t> </a:t>
+            </a:r>
+            <a:r>
+              <a:rPr b="0" i="1" lang="en-US" sz="3600" spc="-1" strike="noStrike">
+                <a:solidFill>
+                  <a:srgbClr val="000000"/>
+                </a:solidFill>
+                <a:uFill>
+                  <a:solidFill>
+                    <a:srgbClr val="ffffff"/>
+                  </a:solidFill>
+                </a:uFill>
+                <a:latin typeface="Calibri"/>
+              </a:rPr>
+              <a:t>r</a:t>
+            </a:r>
+            <a:r>
+              <a:rPr b="0" i="1" lang="en-US" sz="3600" spc="-1" strike="noStrike">
+                <a:solidFill>
+                  <a:srgbClr val="000000"/>
+                </a:solidFill>
+                <a:uFill>
+                  <a:solidFill>
+                    <a:srgbClr val="ffffff"/>
+                  </a:solidFill>
+                </a:uFill>
+                <a:latin typeface="Calibri"/>
+              </a:rPr>
+              <a:t>e</a:t>
+            </a:r>
+            <a:r>
+              <a:rPr b="0" i="1" lang="en-US" sz="3600" spc="-1" strike="noStrike">
+                <a:solidFill>
+                  <a:srgbClr val="000000"/>
+                </a:solidFill>
+                <a:uFill>
+                  <a:solidFill>
+                    <a:srgbClr val="ffffff"/>
+                  </a:solidFill>
+                </a:uFill>
+                <a:latin typeface="Calibri"/>
+              </a:rPr>
+              <a:t>p</a:t>
+            </a:r>
+            <a:r>
+              <a:rPr b="0" i="1" lang="en-US" sz="3600" spc="-1" strike="noStrike">
+                <a:solidFill>
+                  <a:srgbClr val="000000"/>
+                </a:solidFill>
+                <a:uFill>
+                  <a:solidFill>
+                    <a:srgbClr val="ffffff"/>
+                  </a:solidFill>
+                </a:uFill>
+                <a:latin typeface="Calibri"/>
+              </a:rPr>
+              <a:t>o</a:t>
+            </a:r>
+            <a:r>
+              <a:rPr b="0" i="1" lang="en-US" sz="3600" spc="-1" strike="noStrike">
+                <a:solidFill>
+                  <a:srgbClr val="000000"/>
+                </a:solidFill>
+                <a:uFill>
+                  <a:solidFill>
+                    <a:srgbClr val="ffffff"/>
+                  </a:solidFill>
+                </a:uFill>
+                <a:latin typeface="Calibri"/>
+              </a:rPr>
+              <a:t>s</a:t>
+            </a:r>
+            <a:r>
+              <a:rPr b="0" i="1" lang="en-US" sz="3600" spc="-1" strike="noStrike">
+                <a:solidFill>
+                  <a:srgbClr val="000000"/>
+                </a:solidFill>
+                <a:uFill>
+                  <a:solidFill>
+                    <a:srgbClr val="ffffff"/>
+                  </a:solidFill>
+                </a:uFill>
+                <a:latin typeface="Calibri"/>
+              </a:rPr>
+              <a:t>i</a:t>
+            </a:r>
+            <a:r>
+              <a:rPr b="0" i="1" lang="en-US" sz="3600" spc="-1" strike="noStrike">
+                <a:solidFill>
+                  <a:srgbClr val="000000"/>
+                </a:solidFill>
+                <a:uFill>
+                  <a:solidFill>
+                    <a:srgbClr val="ffffff"/>
+                  </a:solidFill>
+                </a:uFill>
+                <a:latin typeface="Calibri"/>
+              </a:rPr>
+              <a:t>t</a:t>
+            </a:r>
+            <a:r>
+              <a:rPr b="0" i="1" lang="en-US" sz="3600" spc="-1" strike="noStrike">
+                <a:solidFill>
+                  <a:srgbClr val="000000"/>
+                </a:solidFill>
+                <a:uFill>
+                  <a:solidFill>
+                    <a:srgbClr val="ffffff"/>
+                  </a:solidFill>
+                </a:uFill>
+                <a:latin typeface="Calibri"/>
+              </a:rPr>
+              <a:t>o</a:t>
+            </a:r>
+            <a:r>
+              <a:rPr b="0" i="1" lang="en-US" sz="3600" spc="-1" strike="noStrike">
+                <a:solidFill>
+                  <a:srgbClr val="000000"/>
+                </a:solidFill>
+                <a:uFill>
+                  <a:solidFill>
+                    <a:srgbClr val="ffffff"/>
+                  </a:solidFill>
+                </a:uFill>
+                <a:latin typeface="Calibri"/>
+              </a:rPr>
+              <a:t>r</a:t>
+            </a:r>
+            <a:r>
+              <a:rPr b="0" i="1" lang="en-US" sz="3600" spc="-1" strike="noStrike">
+                <a:solidFill>
+                  <a:srgbClr val="000000"/>
+                </a:solidFill>
+                <a:uFill>
+                  <a:solidFill>
+                    <a:srgbClr val="ffffff"/>
+                  </a:solidFill>
+                </a:uFill>
+                <a:latin typeface="Calibri"/>
+              </a:rPr>
+              <a:t>y</a:t>
+            </a:r>
+            <a:r>
+              <a:rPr b="0" i="1" lang="en-US" sz="3600" spc="-1" strike="noStrike">
+                <a:solidFill>
+                  <a:srgbClr val="000000"/>
+                </a:solidFill>
+                <a:uFill>
+                  <a:solidFill>
+                    <a:srgbClr val="ffffff"/>
+                  </a:solidFill>
+                </a:uFill>
+                <a:latin typeface="Calibri"/>
+              </a:rPr>
+              <a:t> </a:t>
+            </a:r>
+            <a:r>
+              <a:rPr b="0" i="1" lang="en-US" sz="3600" spc="-1" strike="noStrike">
+                <a:solidFill>
+                  <a:srgbClr val="000000"/>
+                </a:solidFill>
+                <a:uFill>
+                  <a:solidFill>
+                    <a:srgbClr val="ffffff"/>
+                  </a:solidFill>
+                </a:uFill>
+                <a:latin typeface="Calibri"/>
+              </a:rPr>
+              <a:t> </a:t>
+            </a:r>
+            <a:r>
+              <a:rPr b="0" i="1" lang="en-US" sz="3600" spc="-1" strike="noStrike">
+                <a:solidFill>
+                  <a:srgbClr val="000000"/>
+                </a:solidFill>
+                <a:uFill>
+                  <a:solidFill>
+                    <a:srgbClr val="ffffff"/>
+                  </a:solidFill>
+                </a:uFill>
+                <a:latin typeface="Calibri"/>
+              </a:rPr>
+              <a:t> </a:t>
+            </a:r>
+            <a:r>
+              <a:rPr b="0" i="1" lang="en-US" sz="3600" spc="-1" strike="noStrike">
+                <a:solidFill>
+                  <a:srgbClr val="000000"/>
+                </a:solidFill>
+                <a:uFill>
+                  <a:solidFill>
+                    <a:srgbClr val="ffffff"/>
+                  </a:solidFill>
+                </a:uFill>
+                <a:latin typeface="Calibri"/>
+              </a:rPr>
+              <a:t> </a:t>
+            </a:r>
+            <a:r>
+              <a:rPr b="0" i="1" lang="en-US" sz="3600" spc="-1" strike="noStrike">
+                <a:solidFill>
+                  <a:srgbClr val="000000"/>
+                </a:solidFill>
+                <a:uFill>
+                  <a:solidFill>
+                    <a:srgbClr val="ffffff"/>
+                  </a:solidFill>
+                </a:uFill>
+                <a:latin typeface="Calibri"/>
+              </a:rPr>
+              <a:t> </a:t>
+            </a:r>
+            <a:r>
+              <a:rPr b="0" i="1" lang="en-US" sz="3600" spc="-1" strike="noStrike">
+                <a:solidFill>
+                  <a:srgbClr val="000000"/>
+                </a:solidFill>
+                <a:uFill>
+                  <a:solidFill>
+                    <a:srgbClr val="ffffff"/>
+                  </a:solidFill>
+                </a:uFill>
+                <a:latin typeface="Calibri"/>
+              </a:rPr>
+              <a:t> </a:t>
+            </a:r>
+            <a:r>
+              <a:rPr b="0" i="1" lang="en-US" sz="3600" spc="-1" strike="noStrike">
+                <a:solidFill>
+                  <a:srgbClr val="000000"/>
+                </a:solidFill>
+                <a:uFill>
+                  <a:solidFill>
+                    <a:srgbClr val="ffffff"/>
+                  </a:solidFill>
+                </a:uFill>
+                <a:latin typeface="Calibri"/>
+              </a:rPr>
+              <a:t> </a:t>
+            </a:r>
+            <a:r>
+              <a:rPr b="0" i="1" lang="en-US" sz="3600" spc="-1" strike="noStrike">
+                <a:solidFill>
+                  <a:srgbClr val="000000"/>
+                </a:solidFill>
+                <a:uFill>
+                  <a:solidFill>
+                    <a:srgbClr val="ffffff"/>
+                  </a:solidFill>
+                </a:uFill>
+                <a:latin typeface="Calibri"/>
+              </a:rPr>
+              <a:t> </a:t>
+            </a:r>
+            <a:r>
+              <a:rPr b="0" i="1" lang="en-US" sz="3600" spc="-1" strike="noStrike">
+                <a:solidFill>
+                  <a:srgbClr val="000000"/>
+                </a:solidFill>
+                <a:uFill>
+                  <a:solidFill>
+                    <a:srgbClr val="ffffff"/>
+                  </a:solidFill>
+                </a:uFill>
+                <a:latin typeface="Calibri"/>
+              </a:rPr>
+              <a:t> </a:t>
+            </a:r>
+            <a:r>
+              <a:rPr b="0" i="1" lang="en-US" sz="3600" spc="-1" strike="noStrike">
+                <a:solidFill>
+                  <a:srgbClr val="000000"/>
+                </a:solidFill>
+                <a:uFill>
+                  <a:solidFill>
+                    <a:srgbClr val="ffffff"/>
+                  </a:solidFill>
+                </a:uFill>
+                <a:latin typeface="Calibri"/>
+              </a:rPr>
+              <a:t> </a:t>
+            </a:r>
+            <a:r>
+              <a:rPr b="0" i="1" lang="en-US" sz="3600" spc="-1" strike="noStrike">
+                <a:solidFill>
+                  <a:srgbClr val="000000"/>
+                </a:solidFill>
+                <a:uFill>
+                  <a:solidFill>
+                    <a:srgbClr val="ffffff"/>
+                  </a:solidFill>
+                </a:uFill>
+                <a:latin typeface="Calibri"/>
+              </a:rPr>
+              <a:t> </a:t>
+            </a:r>
+            <a:r>
+              <a:rPr b="0" i="1" lang="en-US" sz="3600" spc="-1" strike="noStrike">
+                <a:solidFill>
+                  <a:srgbClr val="000000"/>
+                </a:solidFill>
+                <a:uFill>
+                  <a:solidFill>
+                    <a:srgbClr val="ffffff"/>
+                  </a:solidFill>
+                </a:uFill>
+                <a:latin typeface="Calibri"/>
+              </a:rPr>
+              <a:t> </a:t>
             </a:r>
             <a:r>
               <a:rPr b="0" lang="en-US" sz="4400" spc="-1" strike="noStrike">
@@ -7730,7 +8397,133 @@
                 </a:uFill>
                 <a:latin typeface="Calibri"/>
               </a:rPr>
-              <a:t>          </a:t>
+              <a:t> </a:t>
+            </a:r>
+            <a:r>
+              <a:rPr b="0" lang="en-US" sz="4400" spc="-1" strike="noStrike">
+                <a:solidFill>
+                  <a:srgbClr val="000000"/>
+                </a:solidFill>
+                <a:uFill>
+                  <a:solidFill>
+                    <a:srgbClr val="ffffff"/>
+                  </a:solidFill>
+                </a:uFill>
+                <a:latin typeface="Calibri"/>
+              </a:rPr>
+              <a:t> </a:t>
+            </a:r>
+            <a:r>
+              <a:rPr b="0" lang="en-US" sz="4400" spc="-1" strike="noStrike">
+                <a:solidFill>
+                  <a:srgbClr val="000000"/>
+                </a:solidFill>
+                <a:uFill>
+                  <a:solidFill>
+                    <a:srgbClr val="ffffff"/>
+                  </a:solidFill>
+                </a:uFill>
+                <a:latin typeface="Calibri"/>
+              </a:rPr>
+              <a:t> </a:t>
+            </a:r>
+            <a:r>
+              <a:rPr b="0" lang="en-US" sz="4400" spc="-1" strike="noStrike">
+                <a:solidFill>
+                  <a:srgbClr val="000000"/>
+                </a:solidFill>
+                <a:uFill>
+                  <a:solidFill>
+                    <a:srgbClr val="ffffff"/>
+                  </a:solidFill>
+                </a:uFill>
+                <a:latin typeface="Calibri"/>
+              </a:rPr>
+              <a:t> </a:t>
+            </a:r>
+            <a:r>
+              <a:rPr b="0" lang="en-US" sz="4400" spc="-1" strike="noStrike">
+                <a:solidFill>
+                  <a:srgbClr val="000000"/>
+                </a:solidFill>
+                <a:uFill>
+                  <a:solidFill>
+                    <a:srgbClr val="ffffff"/>
+                  </a:solidFill>
+                </a:uFill>
+                <a:latin typeface="Calibri"/>
+              </a:rPr>
+              <a:t> </a:t>
+            </a:r>
+            <a:r>
+              <a:rPr b="0" lang="en-US" sz="4400" spc="-1" strike="noStrike">
+                <a:solidFill>
+                  <a:srgbClr val="000000"/>
+                </a:solidFill>
+                <a:uFill>
+                  <a:solidFill>
+                    <a:srgbClr val="ffffff"/>
+                  </a:solidFill>
+                </a:uFill>
+                <a:latin typeface="Calibri"/>
+              </a:rPr>
+              <a:t> </a:t>
+            </a:r>
+            <a:r>
+              <a:rPr b="0" lang="en-US" sz="4400" spc="-1" strike="noStrike">
+                <a:solidFill>
+                  <a:srgbClr val="000000"/>
+                </a:solidFill>
+                <a:uFill>
+                  <a:solidFill>
+                    <a:srgbClr val="ffffff"/>
+                  </a:solidFill>
+                </a:uFill>
+                <a:latin typeface="Calibri"/>
+              </a:rPr>
+              <a:t> </a:t>
+            </a:r>
+            <a:r>
+              <a:rPr b="0" lang="en-US" sz="4400" spc="-1" strike="noStrike">
+                <a:solidFill>
+                  <a:srgbClr val="000000"/>
+                </a:solidFill>
+                <a:uFill>
+                  <a:solidFill>
+                    <a:srgbClr val="ffffff"/>
+                  </a:solidFill>
+                </a:uFill>
+                <a:latin typeface="Calibri"/>
+              </a:rPr>
+              <a:t> </a:t>
+            </a:r>
+            <a:r>
+              <a:rPr b="0" lang="en-US" sz="4400" spc="-1" strike="noStrike">
+                <a:solidFill>
+                  <a:srgbClr val="000000"/>
+                </a:solidFill>
+                <a:uFill>
+                  <a:solidFill>
+                    <a:srgbClr val="ffffff"/>
+                  </a:solidFill>
+                </a:uFill>
+                <a:latin typeface="Calibri"/>
+              </a:rPr>
+              <a:t> </a:t>
+            </a:r>
+            <a:r>
+              <a:rPr b="0" lang="en-US" sz="4400" spc="-1" strike="noStrike">
+                <a:solidFill>
+                  <a:srgbClr val="000000"/>
+                </a:solidFill>
+                <a:uFill>
+                  <a:solidFill>
+                    <a:srgbClr val="ffffff"/>
+                  </a:solidFill>
+                </a:uFill>
+                <a:latin typeface="Calibri"/>
+              </a:rPr>
+              <a:t> </a:t>
             </a:r>
             <a:endParaRPr b="0" lang="en-US" sz="1800" spc="-1" strike="noStrike">
               <a:solidFill>
@@ -7762,7 +8555,21 @@
                 </a:uFill>
                 <a:latin typeface="Calibri"/>
               </a:rPr>
-              <a:t>  </a:t>
+              <a:t> </a:t>
+            </a:r>
+            <a:r>
+              <a:rPr b="0" lang="en-US" sz="2500" spc="-1" strike="noStrike">
+                <a:solidFill>
+                  <a:srgbClr val="000000"/>
+                </a:solidFill>
+                <a:uFill>
+                  <a:solidFill>
+                    <a:srgbClr val="ffffff"/>
+                  </a:solidFill>
+                </a:uFill>
+                <a:latin typeface="Calibri"/>
+              </a:rPr>
+              <a:t> </a:t>
             </a:r>
             <a:r>
               <a:rPr b="0" lang="en-US" sz="2500" spc="-1" strike="noStrike">
@@ -7863,7 +8670,609 @@
                 </a:uFill>
                 <a:latin typeface="Calibri"/>
               </a:rPr>
-              <a:t>There you can find some additional material:</a:t>
+              <a:t>Y</a:t>
+            </a:r>
+            <a:r>
+              <a:rPr b="0" i="1" lang="en-US" sz="2400" spc="-1" strike="noStrike">
+                <a:solidFill>
+                  <a:srgbClr val="000000"/>
+                </a:solidFill>
+                <a:uFill>
+                  <a:solidFill>
+                    <a:srgbClr val="ffffff"/>
+                  </a:solidFill>
+                </a:uFill>
+                <a:latin typeface="Calibri"/>
+              </a:rPr>
+              <a:t>o</a:t>
+            </a:r>
+            <a:r>
+              <a:rPr b="0" i="1" lang="en-US" sz="2400" spc="-1" strike="noStrike">
+                <a:solidFill>
+                  <a:srgbClr val="000000"/>
+                </a:solidFill>
+                <a:uFill>
+                  <a:solidFill>
+                    <a:srgbClr val="ffffff"/>
+                  </a:solidFill>
+                </a:uFill>
+                <a:latin typeface="Calibri"/>
+              </a:rPr>
+              <a:t>u</a:t>
+            </a:r>
+            <a:r>
+              <a:rPr b="0" i="1" lang="en-US" sz="2400" spc="-1" strike="noStrike">
+                <a:solidFill>
+                  <a:srgbClr val="000000"/>
+                </a:solidFill>
+                <a:uFill>
+                  <a:solidFill>
+                    <a:srgbClr val="ffffff"/>
+                  </a:solidFill>
+                </a:uFill>
+                <a:latin typeface="Calibri"/>
+              </a:rPr>
+              <a:t> </a:t>
+            </a:r>
+            <a:r>
+              <a:rPr b="0" i="1" lang="en-US" sz="2400" spc="-1" strike="noStrike">
+                <a:solidFill>
+                  <a:srgbClr val="000000"/>
+                </a:solidFill>
+                <a:uFill>
+                  <a:solidFill>
+                    <a:srgbClr val="ffffff"/>
+                  </a:solidFill>
+                </a:uFill>
+                <a:latin typeface="Calibri"/>
+              </a:rPr>
+              <a:t>c</a:t>
+            </a:r>
+            <a:r>
+              <a:rPr b="0" i="1" lang="en-US" sz="2400" spc="-1" strike="noStrike">
+                <a:solidFill>
+                  <a:srgbClr val="000000"/>
+                </a:solidFill>
+                <a:uFill>
+                  <a:solidFill>
+                    <a:srgbClr val="ffffff"/>
+                  </a:solidFill>
+                </a:uFill>
+                <a:latin typeface="Calibri"/>
+              </a:rPr>
+              <a:t>a</a:t>
+            </a:r>
+            <a:r>
+              <a:rPr b="0" i="1" lang="en-US" sz="2400" spc="-1" strike="noStrike">
+                <a:solidFill>
+                  <a:srgbClr val="000000"/>
+                </a:solidFill>
+                <a:uFill>
+                  <a:solidFill>
+                    <a:srgbClr val="ffffff"/>
+                  </a:solidFill>
+                </a:uFill>
+                <a:latin typeface="Calibri"/>
+              </a:rPr>
+              <a:t>n</a:t>
+            </a:r>
+            <a:r>
+              <a:rPr b="0" i="1" lang="en-US" sz="2400" spc="-1" strike="noStrike">
+                <a:solidFill>
+                  <a:srgbClr val="000000"/>
+                </a:solidFill>
+                <a:uFill>
+                  <a:solidFill>
+                    <a:srgbClr val="ffffff"/>
+                  </a:solidFill>
+                </a:uFill>
+                <a:latin typeface="Calibri"/>
+              </a:rPr>
+              <a:t> </a:t>
+            </a:r>
+            <a:r>
+              <a:rPr b="0" i="1" lang="en-US" sz="2400" spc="-1" strike="noStrike">
+                <a:solidFill>
+                  <a:srgbClr val="000000"/>
+                </a:solidFill>
+                <a:uFill>
+                  <a:solidFill>
+                    <a:srgbClr val="ffffff"/>
+                  </a:solidFill>
+                </a:uFill>
+                <a:latin typeface="Calibri"/>
+              </a:rPr>
+              <a:t>f</a:t>
+            </a:r>
+            <a:r>
+              <a:rPr b="0" i="1" lang="en-US" sz="2400" spc="-1" strike="noStrike">
+                <a:solidFill>
+                  <a:srgbClr val="000000"/>
+                </a:solidFill>
+                <a:uFill>
+                  <a:solidFill>
+                    <a:srgbClr val="ffffff"/>
+                  </a:solidFill>
+                </a:uFill>
+                <a:latin typeface="Calibri"/>
+              </a:rPr>
+              <a:t>i</a:t>
+            </a:r>
+            <a:r>
+              <a:rPr b="0" i="1" lang="en-US" sz="2400" spc="-1" strike="noStrike">
+                <a:solidFill>
+                  <a:srgbClr val="000000"/>
+                </a:solidFill>
+                <a:uFill>
+                  <a:solidFill>
+                    <a:srgbClr val="ffffff"/>
+                  </a:solidFill>
+                </a:uFill>
+                <a:latin typeface="Calibri"/>
+              </a:rPr>
+              <a:t>n</a:t>
+            </a:r>
+            <a:r>
+              <a:rPr b="0" i="1" lang="en-US" sz="2400" spc="-1" strike="noStrike">
+                <a:solidFill>
+                  <a:srgbClr val="000000"/>
+                </a:solidFill>
+                <a:uFill>
+                  <a:solidFill>
+                    <a:srgbClr val="ffffff"/>
+                  </a:solidFill>
+                </a:uFill>
+                <a:latin typeface="Calibri"/>
+              </a:rPr>
+              <a:t>d</a:t>
+            </a:r>
+            <a:r>
+              <a:rPr b="0" i="1" lang="en-US" sz="2400" spc="-1" strike="noStrike">
+                <a:solidFill>
+                  <a:srgbClr val="000000"/>
+                </a:solidFill>
+                <a:uFill>
+                  <a:solidFill>
+                    <a:srgbClr val="ffffff"/>
+                  </a:solidFill>
+                </a:uFill>
+                <a:latin typeface="Calibri"/>
+              </a:rPr>
+              <a:t> </a:t>
+            </a:r>
+            <a:r>
+              <a:rPr b="0" i="1" lang="en-US" sz="2400" spc="-1" strike="noStrike">
+                <a:solidFill>
+                  <a:srgbClr val="000000"/>
+                </a:solidFill>
+                <a:uFill>
+                  <a:solidFill>
+                    <a:srgbClr val="ffffff"/>
+                  </a:solidFill>
+                </a:uFill>
+                <a:latin typeface="Calibri"/>
+              </a:rPr>
+              <a:t>s</a:t>
+            </a:r>
+            <a:r>
+              <a:rPr b="0" i="1" lang="en-US" sz="2400" spc="-1" strike="noStrike">
+                <a:solidFill>
+                  <a:srgbClr val="000000"/>
+                </a:solidFill>
+                <a:uFill>
+                  <a:solidFill>
+                    <a:srgbClr val="ffffff"/>
+                  </a:solidFill>
+                </a:uFill>
+                <a:latin typeface="Calibri"/>
+              </a:rPr>
+              <a:t>o</a:t>
+            </a:r>
+            <a:r>
+              <a:rPr b="0" i="1" lang="en-US" sz="2400" spc="-1" strike="noStrike">
+                <a:solidFill>
+                  <a:srgbClr val="000000"/>
+                </a:solidFill>
+                <a:uFill>
+                  <a:solidFill>
+                    <a:srgbClr val="ffffff"/>
+                  </a:solidFill>
+                </a:uFill>
+                <a:latin typeface="Calibri"/>
+              </a:rPr>
+              <a:t>m</a:t>
+            </a:r>
+            <a:r>
+              <a:rPr b="0" i="1" lang="en-US" sz="2400" spc="-1" strike="noStrike">
+                <a:solidFill>
+                  <a:srgbClr val="000000"/>
+                </a:solidFill>
+                <a:uFill>
+                  <a:solidFill>
+                    <a:srgbClr val="ffffff"/>
+                  </a:solidFill>
+                </a:uFill>
+                <a:latin typeface="Calibri"/>
+              </a:rPr>
+              <a:t>e</a:t>
+            </a:r>
+            <a:r>
+              <a:rPr b="0" i="1" lang="en-US" sz="2400" spc="-1" strike="noStrike">
+                <a:solidFill>
+                  <a:srgbClr val="000000"/>
+                </a:solidFill>
+                <a:uFill>
+                  <a:solidFill>
+                    <a:srgbClr val="ffffff"/>
+                  </a:solidFill>
+                </a:uFill>
+                <a:latin typeface="Calibri"/>
+              </a:rPr>
+              <a:t> </a:t>
+            </a:r>
+            <a:r>
+              <a:rPr b="0" i="1" lang="en-US" sz="2400" spc="-1" strike="noStrike">
+                <a:solidFill>
+                  <a:srgbClr val="000000"/>
+                </a:solidFill>
+                <a:uFill>
+                  <a:solidFill>
+                    <a:srgbClr val="ffffff"/>
+                  </a:solidFill>
+                </a:uFill>
+                <a:latin typeface="Calibri"/>
+              </a:rPr>
+              <a:t>a</a:t>
+            </a:r>
+            <a:r>
+              <a:rPr b="0" i="1" lang="en-US" sz="2400" spc="-1" strike="noStrike">
+                <a:solidFill>
+                  <a:srgbClr val="000000"/>
+                </a:solidFill>
+                <a:uFill>
+                  <a:solidFill>
+                    <a:srgbClr val="ffffff"/>
+                  </a:solidFill>
+                </a:uFill>
+                <a:latin typeface="Calibri"/>
+              </a:rPr>
+              <a:t>d</a:t>
+            </a:r>
+            <a:r>
+              <a:rPr b="0" i="1" lang="en-US" sz="2400" spc="-1" strike="noStrike">
+                <a:solidFill>
+                  <a:srgbClr val="000000"/>
+                </a:solidFill>
+                <a:uFill>
+                  <a:solidFill>
+                    <a:srgbClr val="ffffff"/>
+                  </a:solidFill>
+                </a:uFill>
+                <a:latin typeface="Calibri"/>
+              </a:rPr>
+              <a:t>d</a:t>
+            </a:r>
+            <a:r>
+              <a:rPr b="0" i="1" lang="en-US" sz="2400" spc="-1" strike="noStrike">
+                <a:solidFill>
+                  <a:srgbClr val="000000"/>
+                </a:solidFill>
+                <a:uFill>
+                  <a:solidFill>
+                    <a:srgbClr val="ffffff"/>
+                  </a:solidFill>
+                </a:uFill>
+                <a:latin typeface="Calibri"/>
+              </a:rPr>
+              <a:t>i</a:t>
+            </a:r>
+            <a:r>
+              <a:rPr b="0" i="1" lang="en-US" sz="2400" spc="-1" strike="noStrike">
+                <a:solidFill>
+                  <a:srgbClr val="000000"/>
+                </a:solidFill>
+                <a:uFill>
+                  <a:solidFill>
+                    <a:srgbClr val="ffffff"/>
+                  </a:solidFill>
+                </a:uFill>
+                <a:latin typeface="Calibri"/>
+              </a:rPr>
+              <a:t>t</a:t>
+            </a:r>
+            <a:r>
+              <a:rPr b="0" i="1" lang="en-US" sz="2400" spc="-1" strike="noStrike">
+                <a:solidFill>
+                  <a:srgbClr val="000000"/>
+                </a:solidFill>
+                <a:uFill>
+                  <a:solidFill>
+                    <a:srgbClr val="ffffff"/>
+                  </a:solidFill>
+                </a:uFill>
+                <a:latin typeface="Calibri"/>
+              </a:rPr>
+              <a:t>i</a:t>
+            </a:r>
+            <a:r>
+              <a:rPr b="0" i="1" lang="en-US" sz="2400" spc="-1" strike="noStrike">
+                <a:solidFill>
+                  <a:srgbClr val="000000"/>
+                </a:solidFill>
+                <a:uFill>
+                  <a:solidFill>
+                    <a:srgbClr val="ffffff"/>
+                  </a:solidFill>
+                </a:uFill>
+                <a:latin typeface="Calibri"/>
+              </a:rPr>
+              <a:t>o</a:t>
+            </a:r>
+            <a:r>
+              <a:rPr b="0" i="1" lang="en-US" sz="2400" spc="-1" strike="noStrike">
+                <a:solidFill>
+                  <a:srgbClr val="000000"/>
+                </a:solidFill>
+                <a:uFill>
+                  <a:solidFill>
+                    <a:srgbClr val="ffffff"/>
+                  </a:solidFill>
+                </a:uFill>
+                <a:latin typeface="Calibri"/>
+              </a:rPr>
+              <a:t>n</a:t>
+            </a:r>
+            <a:r>
+              <a:rPr b="0" i="1" lang="en-US" sz="2400" spc="-1" strike="noStrike">
+                <a:solidFill>
+                  <a:srgbClr val="000000"/>
+                </a:solidFill>
+                <a:uFill>
+                  <a:solidFill>
+                    <a:srgbClr val="ffffff"/>
+                  </a:solidFill>
+                </a:uFill>
+                <a:latin typeface="Calibri"/>
+              </a:rPr>
+              <a:t>a</a:t>
+            </a:r>
+            <a:r>
+              <a:rPr b="0" i="1" lang="en-US" sz="2400" spc="-1" strike="noStrike">
+                <a:solidFill>
+                  <a:srgbClr val="000000"/>
+                </a:solidFill>
+                <a:uFill>
+                  <a:solidFill>
+                    <a:srgbClr val="ffffff"/>
+                  </a:solidFill>
+                </a:uFill>
+                <a:latin typeface="Calibri"/>
+              </a:rPr>
+              <a:t>l</a:t>
+            </a:r>
+            <a:r>
+              <a:rPr b="0" i="1" lang="en-US" sz="2400" spc="-1" strike="noStrike">
+                <a:solidFill>
+                  <a:srgbClr val="000000"/>
+                </a:solidFill>
+                <a:uFill>
+                  <a:solidFill>
+                    <a:srgbClr val="ffffff"/>
+                  </a:solidFill>
+                </a:uFill>
+                <a:latin typeface="Calibri"/>
+              </a:rPr>
+              <a:t> </a:t>
+            </a:r>
+            <a:r>
+              <a:rPr b="0" i="1" lang="en-US" sz="2400" spc="-1" strike="noStrike">
+                <a:solidFill>
+                  <a:srgbClr val="000000"/>
+                </a:solidFill>
+                <a:uFill>
+                  <a:solidFill>
+                    <a:srgbClr val="ffffff"/>
+                  </a:solidFill>
+                </a:uFill>
+                <a:latin typeface="Calibri"/>
+              </a:rPr>
+              <a:t>m</a:t>
+            </a:r>
+            <a:r>
+              <a:rPr b="0" i="1" lang="en-US" sz="2400" spc="-1" strike="noStrike">
+                <a:solidFill>
+                  <a:srgbClr val="000000"/>
+                </a:solidFill>
+                <a:uFill>
+                  <a:solidFill>
+                    <a:srgbClr val="ffffff"/>
+                  </a:solidFill>
+                </a:uFill>
+                <a:latin typeface="Calibri"/>
+              </a:rPr>
+              <a:t>a</a:t>
+            </a:r>
+            <a:r>
+              <a:rPr b="0" i="1" lang="en-US" sz="2400" spc="-1" strike="noStrike">
+                <a:solidFill>
+                  <a:srgbClr val="000000"/>
+                </a:solidFill>
+                <a:uFill>
+                  <a:solidFill>
+                    <a:srgbClr val="ffffff"/>
+                  </a:solidFill>
+                </a:uFill>
+                <a:latin typeface="Calibri"/>
+              </a:rPr>
+              <a:t>t</a:t>
+            </a:r>
+            <a:r>
+              <a:rPr b="0" i="1" lang="en-US" sz="2400" spc="-1" strike="noStrike">
+                <a:solidFill>
+                  <a:srgbClr val="000000"/>
+                </a:solidFill>
+                <a:uFill>
+                  <a:solidFill>
+                    <a:srgbClr val="ffffff"/>
+                  </a:solidFill>
+                </a:uFill>
+                <a:latin typeface="Calibri"/>
+              </a:rPr>
+              <a:t>e</a:t>
+            </a:r>
+            <a:r>
+              <a:rPr b="0" i="1" lang="en-US" sz="2400" spc="-1" strike="noStrike">
+                <a:solidFill>
+                  <a:srgbClr val="000000"/>
+                </a:solidFill>
+                <a:uFill>
+                  <a:solidFill>
+                    <a:srgbClr val="ffffff"/>
+                  </a:solidFill>
+                </a:uFill>
+                <a:latin typeface="Calibri"/>
+              </a:rPr>
+              <a:t>r</a:t>
+            </a:r>
+            <a:r>
+              <a:rPr b="0" i="1" lang="en-US" sz="2400" spc="-1" strike="noStrike">
+                <a:solidFill>
+                  <a:srgbClr val="000000"/>
+                </a:solidFill>
+                <a:uFill>
+                  <a:solidFill>
+                    <a:srgbClr val="ffffff"/>
+                  </a:solidFill>
+                </a:uFill>
+                <a:latin typeface="Calibri"/>
+              </a:rPr>
+              <a:t>i</a:t>
+            </a:r>
+            <a:r>
+              <a:rPr b="0" i="1" lang="en-US" sz="2400" spc="-1" strike="noStrike">
+                <a:solidFill>
+                  <a:srgbClr val="000000"/>
+                </a:solidFill>
+                <a:uFill>
+                  <a:solidFill>
+                    <a:srgbClr val="ffffff"/>
+                  </a:solidFill>
+                </a:uFill>
+                <a:latin typeface="Calibri"/>
+              </a:rPr>
+              <a:t>a</a:t>
+            </a:r>
+            <a:r>
+              <a:rPr b="0" i="1" lang="en-US" sz="2400" spc="-1" strike="noStrike">
+                <a:solidFill>
+                  <a:srgbClr val="000000"/>
+                </a:solidFill>
+                <a:uFill>
+                  <a:solidFill>
+                    <a:srgbClr val="ffffff"/>
+                  </a:solidFill>
+                </a:uFill>
+                <a:latin typeface="Calibri"/>
+              </a:rPr>
+              <a:t>l</a:t>
+            </a:r>
+            <a:r>
+              <a:rPr b="0" i="1" lang="en-US" sz="2400" spc="-1" strike="noStrike">
+                <a:solidFill>
+                  <a:srgbClr val="000000"/>
+                </a:solidFill>
+                <a:uFill>
+                  <a:solidFill>
+                    <a:srgbClr val="ffffff"/>
+                  </a:solidFill>
+                </a:uFill>
+                <a:latin typeface="Calibri"/>
+              </a:rPr>
+              <a:t> </a:t>
+            </a:r>
+            <a:r>
+              <a:rPr b="0" i="1" lang="en-US" sz="2400" spc="-1" strike="noStrike">
+                <a:solidFill>
+                  <a:srgbClr val="000000"/>
+                </a:solidFill>
+                <a:uFill>
+                  <a:solidFill>
+                    <a:srgbClr val="ffffff"/>
+                  </a:solidFill>
+                </a:uFill>
+                <a:latin typeface="Calibri"/>
+              </a:rPr>
+              <a:t>h</a:t>
+            </a:r>
+            <a:r>
+              <a:rPr b="0" i="1" lang="en-US" sz="2400" spc="-1" strike="noStrike">
+                <a:solidFill>
+                  <a:srgbClr val="000000"/>
+                </a:solidFill>
+                <a:uFill>
+                  <a:solidFill>
+                    <a:srgbClr val="ffffff"/>
+                  </a:solidFill>
+                </a:uFill>
+                <a:latin typeface="Calibri"/>
+              </a:rPr>
+              <a:t>e</a:t>
+            </a:r>
+            <a:r>
+              <a:rPr b="0" i="1" lang="en-US" sz="2400" spc="-1" strike="noStrike">
+                <a:solidFill>
+                  <a:srgbClr val="000000"/>
+                </a:solidFill>
+                <a:uFill>
+                  <a:solidFill>
+                    <a:srgbClr val="ffffff"/>
+                  </a:solidFill>
+                </a:uFill>
+                <a:latin typeface="Calibri"/>
+              </a:rPr>
+              <a:t>r</a:t>
+            </a:r>
+            <a:r>
+              <a:rPr b="0" i="1" lang="en-US" sz="2400" spc="-1" strike="noStrike">
+                <a:solidFill>
+                  <a:srgbClr val="000000"/>
+                </a:solidFill>
+                <a:uFill>
+                  <a:solidFill>
+                    <a:srgbClr val="ffffff"/>
+                  </a:solidFill>
+                </a:uFill>
+                <a:latin typeface="Calibri"/>
+              </a:rPr>
+              <a:t>e</a:t>
+            </a:r>
+            <a:r>
+              <a:rPr b="0" i="1" lang="en-US" sz="2400" spc="-1" strike="noStrike">
+                <a:solidFill>
+                  <a:srgbClr val="000000"/>
+                </a:solidFill>
+                <a:uFill>
+                  <a:solidFill>
+                    <a:srgbClr val="ffffff"/>
+                  </a:solidFill>
+                </a:uFill>
+                <a:latin typeface="Calibri"/>
+              </a:rPr>
+              <a:t> </a:t>
+            </a:r>
+            <a:r>
+              <a:rPr b="0" i="1" lang="en-US" sz="2400" spc="-1" strike="noStrike">
+                <a:solidFill>
+                  <a:srgbClr val="000000"/>
+                </a:solidFill>
+                <a:uFill>
+                  <a:solidFill>
+                    <a:srgbClr val="ffffff"/>
+                  </a:solidFill>
+                </a:uFill>
+                <a:latin typeface="Calibri"/>
+              </a:rPr>
+              <a:t> </a:t>
             </a:r>
             <a:endParaRPr b="0" lang="en-US" sz="1800" spc="-1" strike="noStrike">
               <a:solidFill>
@@ -7928,6 +9337,33 @@
       </p:sp>
     </p:spTree>
   </p:cSld>
+  <p:timing>
+    <p:tnLst>
+      <p:par>
+        <p:cTn id="11" dur="indefinite" restart="never" nodeType="tmRoot">
+          <p:childTnLst>
+            <p:seq>
+              <p:cTn id="12" nodeType="mainSeq"/>
+              <p:prevCondLst>
+                <p:cond delay="0" evt="onPrev">
+                  <p:tgtEl>
+                    <p:sldTgt/>
+                  </p:tgtEl>
+                </p:cond>
+              </p:prevCondLst>
+              <p:nextCondLst>
+                <p:cond delay="0" evt="onNext">
+                  <p:tgtEl>
+                    <p:sldTgt/>
+                  </p:tgtEl>
+                </p:cond>
+              </p:nextCondLst>
+            </p:seq>
+          </p:childTnLst>
+        </p:cTn>
+      </p:par>
+    </p:tnLst>
+  </p:timing>
 </p:sld>
 </file>
 
